--- a/DS3/VEM ANDAR COMIGO.pptx
+++ b/DS3/VEM ANDAR COMIGO.pptx
@@ -280,7 +280,7 @@
           <a:p>
             <a:fld id="{8985FFBF-2C64-42CD-9E2F-09E2049D891B}" type="datetimeFigureOut">
               <a:rPr lang="pt-BR" smtClean="0"/>
-              <a:t>23/06/2019</a:t>
+              <a:t>18/11/2023</a:t>
             </a:fld>
             <a:endParaRPr lang="pt-BR" dirty="0"/>
           </a:p>
@@ -445,7 +445,7 @@
           <a:p>
             <a:fld id="{B7A3DF44-BBF1-44C7-A0B1-7B7B2F7B3880}" type="datetimeFigureOut">
               <a:rPr lang="pt-BR" smtClean="0"/>
-              <a:t>23/06/2019</a:t>
+              <a:t>18/11/2023</a:t>
             </a:fld>
             <a:endParaRPr lang="pt-BR" dirty="0"/>
           </a:p>
@@ -1741,7 +1741,7 @@
           <a:p>
             <a:fld id="{14F042A8-43C1-4815-A5CF-022104463224}" type="datetimeFigureOut">
               <a:rPr lang="pt-BR" smtClean="0"/>
-              <a:t>23/06/2019</a:t>
+              <a:t>18/11/2023</a:t>
             </a:fld>
             <a:endParaRPr lang="pt-BR" dirty="0"/>
           </a:p>
@@ -1944,7 +1944,7 @@
           <a:p>
             <a:fld id="{14F042A8-43C1-4815-A5CF-022104463224}" type="datetimeFigureOut">
               <a:rPr lang="pt-BR" smtClean="0"/>
-              <a:t>23/06/2019</a:t>
+              <a:t>18/11/2023</a:t>
             </a:fld>
             <a:endParaRPr lang="pt-BR" dirty="0"/>
           </a:p>
@@ -2318,7 +2318,7 @@
           <a:p>
             <a:fld id="{14F042A8-43C1-4815-A5CF-022104463224}" type="datetimeFigureOut">
               <a:rPr lang="pt-BR" smtClean="0"/>
-              <a:t>23/06/2019</a:t>
+              <a:t>18/11/2023</a:t>
             </a:fld>
             <a:endParaRPr lang="pt-BR" dirty="0"/>
           </a:p>
@@ -2516,7 +2516,7 @@
           <a:p>
             <a:fld id="{14F042A8-43C1-4815-A5CF-022104463224}" type="datetimeFigureOut">
               <a:rPr lang="pt-BR" smtClean="0"/>
-              <a:t>23/06/2019</a:t>
+              <a:t>18/11/2023</a:t>
             </a:fld>
             <a:endParaRPr lang="pt-BR" dirty="0"/>
           </a:p>
@@ -3806,7 +3806,7 @@
           <a:p>
             <a:fld id="{14F042A8-43C1-4815-A5CF-022104463224}" type="datetimeFigureOut">
               <a:rPr lang="pt-BR" smtClean="0"/>
-              <a:t>23/06/2019</a:t>
+              <a:t>18/11/2023</a:t>
             </a:fld>
             <a:endParaRPr lang="pt-BR" dirty="0"/>
           </a:p>
@@ -4115,7 +4115,7 @@
           <a:p>
             <a:fld id="{14F042A8-43C1-4815-A5CF-022104463224}" type="datetimeFigureOut">
               <a:rPr lang="pt-BR" smtClean="0"/>
-              <a:t>23/06/2019</a:t>
+              <a:t>18/11/2023</a:t>
             </a:fld>
             <a:endParaRPr lang="pt-BR" dirty="0"/>
           </a:p>
@@ -4568,7 +4568,7 @@
           <a:p>
             <a:fld id="{14F042A8-43C1-4815-A5CF-022104463224}" type="datetimeFigureOut">
               <a:rPr lang="pt-BR" smtClean="0"/>
-              <a:t>23/06/2019</a:t>
+              <a:t>18/11/2023</a:t>
             </a:fld>
             <a:endParaRPr lang="pt-BR" dirty="0"/>
           </a:p>
@@ -4698,7 +4698,7 @@
           <a:p>
             <a:fld id="{14F042A8-43C1-4815-A5CF-022104463224}" type="datetimeFigureOut">
               <a:rPr lang="pt-BR" smtClean="0"/>
-              <a:t>23/06/2019</a:t>
+              <a:t>18/11/2023</a:t>
             </a:fld>
             <a:endParaRPr lang="pt-BR" dirty="0"/>
           </a:p>
@@ -4963,7 +4963,7 @@
           <a:p>
             <a:fld id="{14F042A8-43C1-4815-A5CF-022104463224}" type="datetimeFigureOut">
               <a:rPr lang="pt-BR" smtClean="0"/>
-              <a:t>23/06/2019</a:t>
+              <a:t>18/11/2023</a:t>
             </a:fld>
             <a:endParaRPr lang="pt-BR" dirty="0"/>
           </a:p>
@@ -5494,7 +5494,7 @@
           <a:p>
             <a:fld id="{14F042A8-43C1-4815-A5CF-022104463224}" type="datetimeFigureOut">
               <a:rPr lang="pt-BR" smtClean="0"/>
-              <a:t>23/06/2019</a:t>
+              <a:t>18/11/2023</a:t>
             </a:fld>
             <a:endParaRPr lang="pt-BR" dirty="0"/>
           </a:p>
@@ -6086,7 +6086,7 @@
             <a:fld id="{14F042A8-43C1-4815-A5CF-022104463224}" type="datetimeFigureOut">
               <a:rPr lang="pt-BR" smtClean="0"/>
               <a:pPr/>
-              <a:t>23/06/2019</a:t>
+              <a:t>18/11/2023</a:t>
             </a:fld>
             <a:endParaRPr lang="pt-BR" dirty="0"/>
           </a:p>
